--- a/01 - Loads and Fatigue/Preliminary Load Analysis/Annotation.pptx
+++ b/01 - Loads and Fatigue/Preliminary Load Analysis/Annotation.pptx
@@ -119,7 +119,7 @@
 <file path=ppt/revisionInfo.xml><?xml version="1.0" encoding="utf-8"?>
 <p1510:revInfo xmlns:a="http://schemas.openxmlformats.org/drawingml/2006/main" xmlns:r="http://schemas.openxmlformats.org/officeDocument/2006/relationships" xmlns:p1510="http://schemas.microsoft.com/office/powerpoint/2015/10/main">
   <p1510:revLst>
-    <p1510:client id="{C9DE8794-599A-48A2-8DAC-3CEC81A1BCD4}" v="1442" dt="2025-01-31T22:19:17.130"/>
+    <p1510:client id="{C9DE8794-599A-48A2-8DAC-3CEC81A1BCD4}" v="1445" dt="2025-02-13T21:02:19.648"/>
   </p1510:revLst>
 </p1510:revInfo>
 </file>
@@ -129,12 +129,12 @@
   <pc:docChgLst>
     <pc:chgData name="Li, Hanchen F" userId="3aee791e-6a2d-4da7-a77b-fbdf7bf15886" providerId="ADAL" clId="{C9DE8794-599A-48A2-8DAC-3CEC81A1BCD4}"/>
     <pc:docChg chg="undo custSel addSld modSld">
-      <pc:chgData name="Li, Hanchen F" userId="3aee791e-6a2d-4da7-a77b-fbdf7bf15886" providerId="ADAL" clId="{C9DE8794-599A-48A2-8DAC-3CEC81A1BCD4}" dt="2025-01-31T22:19:20.374" v="3502" actId="167"/>
+      <pc:chgData name="Li, Hanchen F" userId="3aee791e-6a2d-4da7-a77b-fbdf7bf15886" providerId="ADAL" clId="{C9DE8794-599A-48A2-8DAC-3CEC81A1BCD4}" dt="2025-02-13T21:04:07.808" v="3537" actId="688"/>
       <pc:docMkLst>
         <pc:docMk/>
       </pc:docMkLst>
       <pc:sldChg chg="addSp delSp modSp new mod">
-        <pc:chgData name="Li, Hanchen F" userId="3aee791e-6a2d-4da7-a77b-fbdf7bf15886" providerId="ADAL" clId="{C9DE8794-599A-48A2-8DAC-3CEC81A1BCD4}" dt="2025-01-30T22:17:21.939" v="3357" actId="207"/>
+        <pc:chgData name="Li, Hanchen F" userId="3aee791e-6a2d-4da7-a77b-fbdf7bf15886" providerId="ADAL" clId="{C9DE8794-599A-48A2-8DAC-3CEC81A1BCD4}" dt="2025-02-13T21:04:07.808" v="3537" actId="688"/>
         <pc:sldMkLst>
           <pc:docMk/>
           <pc:sldMk cId="3020923075" sldId="256"/>
@@ -147,8 +147,8 @@
             <ac:spMk id="2" creationId="{89123ADF-7D7A-CD6F-3488-67AE30073D46}"/>
           </ac:spMkLst>
         </pc:spChg>
-        <pc:spChg chg="add mod">
-          <ac:chgData name="Li, Hanchen F" userId="3aee791e-6a2d-4da7-a77b-fbdf7bf15886" providerId="ADAL" clId="{C9DE8794-599A-48A2-8DAC-3CEC81A1BCD4}" dt="2025-01-29T18:48:43.127" v="3093" actId="1076"/>
+        <pc:spChg chg="add del mod">
+          <ac:chgData name="Li, Hanchen F" userId="3aee791e-6a2d-4da7-a77b-fbdf7bf15886" providerId="ADAL" clId="{C9DE8794-599A-48A2-8DAC-3CEC81A1BCD4}" dt="2025-02-13T21:02:20.929" v="3508" actId="478"/>
           <ac:spMkLst>
             <pc:docMk/>
             <pc:sldMk cId="3020923075" sldId="256"/>
@@ -180,7 +180,7 @@
           </ac:spMkLst>
         </pc:spChg>
         <pc:spChg chg="add mod">
-          <ac:chgData name="Li, Hanchen F" userId="3aee791e-6a2d-4da7-a77b-fbdf7bf15886" providerId="ADAL" clId="{C9DE8794-599A-48A2-8DAC-3CEC81A1BCD4}" dt="2025-01-29T18:48:38.823" v="3092" actId="1076"/>
+          <ac:chgData name="Li, Hanchen F" userId="3aee791e-6a2d-4da7-a77b-fbdf7bf15886" providerId="ADAL" clId="{C9DE8794-599A-48A2-8DAC-3CEC81A1BCD4}" dt="2025-02-13T21:03:10.280" v="3525" actId="1076"/>
           <ac:spMkLst>
             <pc:docMk/>
             <pc:sldMk cId="3020923075" sldId="256"/>
@@ -188,7 +188,7 @@
           </ac:spMkLst>
         </pc:spChg>
         <pc:spChg chg="add mod">
-          <ac:chgData name="Li, Hanchen F" userId="3aee791e-6a2d-4da7-a77b-fbdf7bf15886" providerId="ADAL" clId="{C9DE8794-599A-48A2-8DAC-3CEC81A1BCD4}" dt="2025-01-29T18:48:23.287" v="3088" actId="1076"/>
+          <ac:chgData name="Li, Hanchen F" userId="3aee791e-6a2d-4da7-a77b-fbdf7bf15886" providerId="ADAL" clId="{C9DE8794-599A-48A2-8DAC-3CEC81A1BCD4}" dt="2025-02-13T21:04:07.808" v="3537" actId="688"/>
           <ac:spMkLst>
             <pc:docMk/>
             <pc:sldMk cId="3020923075" sldId="256"/>
@@ -203,8 +203,8 @@
             <ac:spMk id="9" creationId="{DBC67E9F-B47A-12B4-89C1-0440BA1A8F0A}"/>
           </ac:spMkLst>
         </pc:spChg>
-        <pc:spChg chg="add mod">
-          <ac:chgData name="Li, Hanchen F" userId="3aee791e-6a2d-4da7-a77b-fbdf7bf15886" providerId="ADAL" clId="{C9DE8794-599A-48A2-8DAC-3CEC81A1BCD4}" dt="2025-01-29T18:48:47.860" v="3094" actId="1076"/>
+        <pc:spChg chg="add del mod">
+          <ac:chgData name="Li, Hanchen F" userId="3aee791e-6a2d-4da7-a77b-fbdf7bf15886" providerId="ADAL" clId="{C9DE8794-599A-48A2-8DAC-3CEC81A1BCD4}" dt="2025-02-13T21:02:22.037" v="3509" actId="478"/>
           <ac:spMkLst>
             <pc:docMk/>
             <pc:sldMk cId="3020923075" sldId="256"/>
@@ -212,7 +212,7 @@
           </ac:spMkLst>
         </pc:spChg>
         <pc:spChg chg="add mod">
-          <ac:chgData name="Li, Hanchen F" userId="3aee791e-6a2d-4da7-a77b-fbdf7bf15886" providerId="ADAL" clId="{C9DE8794-599A-48A2-8DAC-3CEC81A1BCD4}" dt="2025-01-29T18:52:25.189" v="3216" actId="1076"/>
+          <ac:chgData name="Li, Hanchen F" userId="3aee791e-6a2d-4da7-a77b-fbdf7bf15886" providerId="ADAL" clId="{C9DE8794-599A-48A2-8DAC-3CEC81A1BCD4}" dt="2025-02-13T21:03:10.545" v="3526" actId="1076"/>
           <ac:spMkLst>
             <pc:docMk/>
             <pc:sldMk cId="3020923075" sldId="256"/>
@@ -220,7 +220,7 @@
           </ac:spMkLst>
         </pc:spChg>
         <pc:spChg chg="add mod">
-          <ac:chgData name="Li, Hanchen F" userId="3aee791e-6a2d-4da7-a77b-fbdf7bf15886" providerId="ADAL" clId="{C9DE8794-599A-48A2-8DAC-3CEC81A1BCD4}" dt="2025-01-29T18:51:29.848" v="3210" actId="1076"/>
+          <ac:chgData name="Li, Hanchen F" userId="3aee791e-6a2d-4da7-a77b-fbdf7bf15886" providerId="ADAL" clId="{C9DE8794-599A-48A2-8DAC-3CEC81A1BCD4}" dt="2025-02-13T21:02:35.781" v="3514" actId="1076"/>
           <ac:spMkLst>
             <pc:docMk/>
             <pc:sldMk cId="3020923075" sldId="256"/>
@@ -252,7 +252,7 @@
           </ac:spMkLst>
         </pc:spChg>
         <pc:spChg chg="add mod">
-          <ac:chgData name="Li, Hanchen F" userId="3aee791e-6a2d-4da7-a77b-fbdf7bf15886" providerId="ADAL" clId="{C9DE8794-599A-48A2-8DAC-3CEC81A1BCD4}" dt="2025-01-29T18:46:59.386" v="3029" actId="14861"/>
+          <ac:chgData name="Li, Hanchen F" userId="3aee791e-6a2d-4da7-a77b-fbdf7bf15886" providerId="ADAL" clId="{C9DE8794-599A-48A2-8DAC-3CEC81A1BCD4}" dt="2025-02-13T21:03:15.958" v="3527" actId="1076"/>
           <ac:spMkLst>
             <pc:docMk/>
             <pc:sldMk cId="3020923075" sldId="256"/>
@@ -260,7 +260,7 @@
           </ac:spMkLst>
         </pc:spChg>
         <pc:spChg chg="add mod">
-          <ac:chgData name="Li, Hanchen F" userId="3aee791e-6a2d-4da7-a77b-fbdf7bf15886" providerId="ADAL" clId="{C9DE8794-599A-48A2-8DAC-3CEC81A1BCD4}" dt="2025-01-29T18:48:10.655" v="3085" actId="1076"/>
+          <ac:chgData name="Li, Hanchen F" userId="3aee791e-6a2d-4da7-a77b-fbdf7bf15886" providerId="ADAL" clId="{C9DE8794-599A-48A2-8DAC-3CEC81A1BCD4}" dt="2025-02-13T21:04:03.447" v="3535" actId="688"/>
           <ac:spMkLst>
             <pc:docMk/>
             <pc:sldMk cId="3020923075" sldId="256"/>
@@ -316,7 +316,7 @@
           </ac:spMkLst>
         </pc:spChg>
         <pc:spChg chg="add mod">
-          <ac:chgData name="Li, Hanchen F" userId="3aee791e-6a2d-4da7-a77b-fbdf7bf15886" providerId="ADAL" clId="{C9DE8794-599A-48A2-8DAC-3CEC81A1BCD4}" dt="2025-01-29T18:51:12.158" v="3178" actId="1076"/>
+          <ac:chgData name="Li, Hanchen F" userId="3aee791e-6a2d-4da7-a77b-fbdf7bf15886" providerId="ADAL" clId="{C9DE8794-599A-48A2-8DAC-3CEC81A1BCD4}" dt="2025-02-13T21:02:32.418" v="3513" actId="1076"/>
           <ac:spMkLst>
             <pc:docMk/>
             <pc:sldMk cId="3020923075" sldId="256"/>
@@ -372,7 +372,7 @@
           </ac:spMkLst>
         </pc:spChg>
         <pc:picChg chg="add mod ord">
-          <ac:chgData name="Li, Hanchen F" userId="3aee791e-6a2d-4da7-a77b-fbdf7bf15886" providerId="ADAL" clId="{C9DE8794-599A-48A2-8DAC-3CEC81A1BCD4}" dt="2025-01-29T21:28:21.073" v="3217" actId="14826"/>
+          <ac:chgData name="Li, Hanchen F" userId="3aee791e-6a2d-4da7-a77b-fbdf7bf15886" providerId="ADAL" clId="{C9DE8794-599A-48A2-8DAC-3CEC81A1BCD4}" dt="2025-02-13T21:02:06.066" v="3503" actId="14826"/>
           <ac:picMkLst>
             <pc:docMk/>
             <pc:sldMk cId="3020923075" sldId="256"/>
@@ -380,7 +380,7 @@
           </ac:picMkLst>
         </pc:picChg>
         <pc:cxnChg chg="add mod">
-          <ac:chgData name="Li, Hanchen F" userId="3aee791e-6a2d-4da7-a77b-fbdf7bf15886" providerId="ADAL" clId="{C9DE8794-599A-48A2-8DAC-3CEC81A1BCD4}" dt="2025-01-29T18:51:31.738" v="3211" actId="14100"/>
+          <ac:chgData name="Li, Hanchen F" userId="3aee791e-6a2d-4da7-a77b-fbdf7bf15886" providerId="ADAL" clId="{C9DE8794-599A-48A2-8DAC-3CEC81A1BCD4}" dt="2025-02-13T21:02:35.781" v="3514" actId="1076"/>
           <ac:cxnSpMkLst>
             <pc:docMk/>
             <pc:sldMk cId="3020923075" sldId="256"/>
@@ -388,7 +388,7 @@
           </ac:cxnSpMkLst>
         </pc:cxnChg>
         <pc:cxnChg chg="add mod">
-          <ac:chgData name="Li, Hanchen F" userId="3aee791e-6a2d-4da7-a77b-fbdf7bf15886" providerId="ADAL" clId="{C9DE8794-599A-48A2-8DAC-3CEC81A1BCD4}" dt="2025-01-29T18:46:23.958" v="3010" actId="14100"/>
+          <ac:chgData name="Li, Hanchen F" userId="3aee791e-6a2d-4da7-a77b-fbdf7bf15886" providerId="ADAL" clId="{C9DE8794-599A-48A2-8DAC-3CEC81A1BCD4}" dt="2025-02-13T21:03:21.305" v="3529" actId="14100"/>
           <ac:cxnSpMkLst>
             <pc:docMk/>
             <pc:sldMk cId="3020923075" sldId="256"/>
@@ -396,7 +396,7 @@
           </ac:cxnSpMkLst>
         </pc:cxnChg>
         <pc:cxnChg chg="add mod">
-          <ac:chgData name="Li, Hanchen F" userId="3aee791e-6a2d-4da7-a77b-fbdf7bf15886" providerId="ADAL" clId="{C9DE8794-599A-48A2-8DAC-3CEC81A1BCD4}" dt="2025-01-29T18:51:12.158" v="3178" actId="1076"/>
+          <ac:chgData name="Li, Hanchen F" userId="3aee791e-6a2d-4da7-a77b-fbdf7bf15886" providerId="ADAL" clId="{C9DE8794-599A-48A2-8DAC-3CEC81A1BCD4}" dt="2025-02-13T21:02:32.418" v="3513" actId="1076"/>
           <ac:cxnSpMkLst>
             <pc:docMk/>
             <pc:sldMk cId="3020923075" sldId="256"/>
@@ -404,7 +404,7 @@
           </ac:cxnSpMkLst>
         </pc:cxnChg>
         <pc:cxnChg chg="add mod ord">
-          <ac:chgData name="Li, Hanchen F" userId="3aee791e-6a2d-4da7-a77b-fbdf7bf15886" providerId="ADAL" clId="{C9DE8794-599A-48A2-8DAC-3CEC81A1BCD4}" dt="2025-01-29T18:46:27.862" v="3011" actId="1076"/>
+          <ac:chgData name="Li, Hanchen F" userId="3aee791e-6a2d-4da7-a77b-fbdf7bf15886" providerId="ADAL" clId="{C9DE8794-599A-48A2-8DAC-3CEC81A1BCD4}" dt="2025-02-13T21:03:23.235" v="3530" actId="14100"/>
           <ac:cxnSpMkLst>
             <pc:docMk/>
             <pc:sldMk cId="3020923075" sldId="256"/>
@@ -418,126 +418,6 @@
           <pc:docMk/>
           <pc:sldMk cId="2232820269" sldId="257"/>
         </pc:sldMkLst>
-        <pc:spChg chg="del">
-          <ac:chgData name="Li, Hanchen F" userId="3aee791e-6a2d-4da7-a77b-fbdf7bf15886" providerId="ADAL" clId="{C9DE8794-599A-48A2-8DAC-3CEC81A1BCD4}" dt="2025-01-30T12:47:40.143" v="3224" actId="478"/>
-          <ac:spMkLst>
-            <pc:docMk/>
-            <pc:sldMk cId="2232820269" sldId="257"/>
-            <ac:spMk id="3" creationId="{BAB3B2B5-CCE7-DFC6-1F18-0628FD266327}"/>
-          </ac:spMkLst>
-        </pc:spChg>
-        <pc:spChg chg="del">
-          <ac:chgData name="Li, Hanchen F" userId="3aee791e-6a2d-4da7-a77b-fbdf7bf15886" providerId="ADAL" clId="{C9DE8794-599A-48A2-8DAC-3CEC81A1BCD4}" dt="2025-01-30T12:47:37.011" v="3222" actId="478"/>
-          <ac:spMkLst>
-            <pc:docMk/>
-            <pc:sldMk cId="2232820269" sldId="257"/>
-            <ac:spMk id="4" creationId="{75716868-D269-E76A-A35F-8F25B2976E1B}"/>
-          </ac:spMkLst>
-        </pc:spChg>
-        <pc:spChg chg="del">
-          <ac:chgData name="Li, Hanchen F" userId="3aee791e-6a2d-4da7-a77b-fbdf7bf15886" providerId="ADAL" clId="{C9DE8794-599A-48A2-8DAC-3CEC81A1BCD4}" dt="2025-01-30T12:47:40.143" v="3224" actId="478"/>
-          <ac:spMkLst>
-            <pc:docMk/>
-            <pc:sldMk cId="2232820269" sldId="257"/>
-            <ac:spMk id="6" creationId="{8F0953BE-1CE8-33F8-EAD5-866C3BFA8DDD}"/>
-          </ac:spMkLst>
-        </pc:spChg>
-        <pc:spChg chg="del">
-          <ac:chgData name="Li, Hanchen F" userId="3aee791e-6a2d-4da7-a77b-fbdf7bf15886" providerId="ADAL" clId="{C9DE8794-599A-48A2-8DAC-3CEC81A1BCD4}" dt="2025-01-30T12:47:40.143" v="3224" actId="478"/>
-          <ac:spMkLst>
-            <pc:docMk/>
-            <pc:sldMk cId="2232820269" sldId="257"/>
-            <ac:spMk id="7" creationId="{DD457A6D-0D90-F533-7625-9EB66F6079B5}"/>
-          </ac:spMkLst>
-        </pc:spChg>
-        <pc:spChg chg="del">
-          <ac:chgData name="Li, Hanchen F" userId="3aee791e-6a2d-4da7-a77b-fbdf7bf15886" providerId="ADAL" clId="{C9DE8794-599A-48A2-8DAC-3CEC81A1BCD4}" dt="2025-01-30T12:47:43.543" v="3228" actId="478"/>
-          <ac:spMkLst>
-            <pc:docMk/>
-            <pc:sldMk cId="2232820269" sldId="257"/>
-            <ac:spMk id="8" creationId="{581F24E7-1CAC-B621-9F86-0AAEE6A01404}"/>
-          </ac:spMkLst>
-        </pc:spChg>
-        <pc:spChg chg="del">
-          <ac:chgData name="Li, Hanchen F" userId="3aee791e-6a2d-4da7-a77b-fbdf7bf15886" providerId="ADAL" clId="{C9DE8794-599A-48A2-8DAC-3CEC81A1BCD4}" dt="2025-01-30T12:47:40.143" v="3224" actId="478"/>
-          <ac:spMkLst>
-            <pc:docMk/>
-            <pc:sldMk cId="2232820269" sldId="257"/>
-            <ac:spMk id="10" creationId="{E753C41F-601A-09CF-614C-E8296C5AB5A9}"/>
-          </ac:spMkLst>
-        </pc:spChg>
-        <pc:spChg chg="del">
-          <ac:chgData name="Li, Hanchen F" userId="3aee791e-6a2d-4da7-a77b-fbdf7bf15886" providerId="ADAL" clId="{C9DE8794-599A-48A2-8DAC-3CEC81A1BCD4}" dt="2025-01-30T12:47:40.143" v="3224" actId="478"/>
-          <ac:spMkLst>
-            <pc:docMk/>
-            <pc:sldMk cId="2232820269" sldId="257"/>
-            <ac:spMk id="11" creationId="{1897326F-BBB9-A15B-D5AB-F91C87F23524}"/>
-          </ac:spMkLst>
-        </pc:spChg>
-        <pc:spChg chg="del">
-          <ac:chgData name="Li, Hanchen F" userId="3aee791e-6a2d-4da7-a77b-fbdf7bf15886" providerId="ADAL" clId="{C9DE8794-599A-48A2-8DAC-3CEC81A1BCD4}" dt="2025-01-30T12:47:39.077" v="3223" actId="478"/>
-          <ac:spMkLst>
-            <pc:docMk/>
-            <pc:sldMk cId="2232820269" sldId="257"/>
-            <ac:spMk id="12" creationId="{D1F4D268-5E88-39D5-CBC2-3FE8AC99FA69}"/>
-          </ac:spMkLst>
-        </pc:spChg>
-        <pc:spChg chg="del">
-          <ac:chgData name="Li, Hanchen F" userId="3aee791e-6a2d-4da7-a77b-fbdf7bf15886" providerId="ADAL" clId="{C9DE8794-599A-48A2-8DAC-3CEC81A1BCD4}" dt="2025-01-30T12:47:39.077" v="3223" actId="478"/>
-          <ac:spMkLst>
-            <pc:docMk/>
-            <pc:sldMk cId="2232820269" sldId="257"/>
-            <ac:spMk id="13" creationId="{A49F5B57-41E5-F4A3-EC67-241578B5BB7B}"/>
-          </ac:spMkLst>
-        </pc:spChg>
-        <pc:spChg chg="del">
-          <ac:chgData name="Li, Hanchen F" userId="3aee791e-6a2d-4da7-a77b-fbdf7bf15886" providerId="ADAL" clId="{C9DE8794-599A-48A2-8DAC-3CEC81A1BCD4}" dt="2025-01-30T12:47:39.077" v="3223" actId="478"/>
-          <ac:spMkLst>
-            <pc:docMk/>
-            <pc:sldMk cId="2232820269" sldId="257"/>
-            <ac:spMk id="14" creationId="{708D6662-CBE4-374C-7F5A-09207EE5A311}"/>
-          </ac:spMkLst>
-        </pc:spChg>
-        <pc:spChg chg="del">
-          <ac:chgData name="Li, Hanchen F" userId="3aee791e-6a2d-4da7-a77b-fbdf7bf15886" providerId="ADAL" clId="{C9DE8794-599A-48A2-8DAC-3CEC81A1BCD4}" dt="2025-01-30T12:47:39.077" v="3223" actId="478"/>
-          <ac:spMkLst>
-            <pc:docMk/>
-            <pc:sldMk cId="2232820269" sldId="257"/>
-            <ac:spMk id="15" creationId="{BD84DE20-4F41-08A0-A8D5-03C9AC6FBF91}"/>
-          </ac:spMkLst>
-        </pc:spChg>
-        <pc:spChg chg="del">
-          <ac:chgData name="Li, Hanchen F" userId="3aee791e-6a2d-4da7-a77b-fbdf7bf15886" providerId="ADAL" clId="{C9DE8794-599A-48A2-8DAC-3CEC81A1BCD4}" dt="2025-01-30T12:47:39.077" v="3223" actId="478"/>
-          <ac:spMkLst>
-            <pc:docMk/>
-            <pc:sldMk cId="2232820269" sldId="257"/>
-            <ac:spMk id="16" creationId="{22D3AC78-C14E-8AC6-82C8-E2B47DD8BC43}"/>
-          </ac:spMkLst>
-        </pc:spChg>
-        <pc:spChg chg="del">
-          <ac:chgData name="Li, Hanchen F" userId="3aee791e-6a2d-4da7-a77b-fbdf7bf15886" providerId="ADAL" clId="{C9DE8794-599A-48A2-8DAC-3CEC81A1BCD4}" dt="2025-01-30T12:47:40.143" v="3224" actId="478"/>
-          <ac:spMkLst>
-            <pc:docMk/>
-            <pc:sldMk cId="2232820269" sldId="257"/>
-            <ac:spMk id="17" creationId="{910B40D4-BA21-779B-C81C-B4901C61D91F}"/>
-          </ac:spMkLst>
-        </pc:spChg>
-        <pc:spChg chg="del">
-          <ac:chgData name="Li, Hanchen F" userId="3aee791e-6a2d-4da7-a77b-fbdf7bf15886" providerId="ADAL" clId="{C9DE8794-599A-48A2-8DAC-3CEC81A1BCD4}" dt="2025-01-30T12:47:39.077" v="3223" actId="478"/>
-          <ac:spMkLst>
-            <pc:docMk/>
-            <pc:sldMk cId="2232820269" sldId="257"/>
-            <ac:spMk id="19" creationId="{C30D92DB-4AD7-0DDB-5118-E0B4B3CEFB9B}"/>
-          </ac:spMkLst>
-        </pc:spChg>
-        <pc:spChg chg="del mod">
-          <ac:chgData name="Li, Hanchen F" userId="3aee791e-6a2d-4da7-a77b-fbdf7bf15886" providerId="ADAL" clId="{C9DE8794-599A-48A2-8DAC-3CEC81A1BCD4}" dt="2025-01-30T12:47:42.522" v="3227" actId="478"/>
-          <ac:spMkLst>
-            <pc:docMk/>
-            <pc:sldMk cId="2232820269" sldId="257"/>
-            <ac:spMk id="21" creationId="{CD6A75B7-CEDD-C1B0-D4B7-65AA9F7F5883}"/>
-          </ac:spMkLst>
-        </pc:spChg>
         <pc:spChg chg="add mod">
           <ac:chgData name="Li, Hanchen F" userId="3aee791e-6a2d-4da7-a77b-fbdf7bf15886" providerId="ADAL" clId="{C9DE8794-599A-48A2-8DAC-3CEC81A1BCD4}" dt="2025-01-31T22:16:03.509" v="3426" actId="1076"/>
           <ac:spMkLst>
@@ -546,60 +426,12 @@
             <ac:spMk id="26" creationId="{DC860992-1A63-890B-CB58-9FA36CE47549}"/>
           </ac:spMkLst>
         </pc:spChg>
-        <pc:spChg chg="del">
-          <ac:chgData name="Li, Hanchen F" userId="3aee791e-6a2d-4da7-a77b-fbdf7bf15886" providerId="ADAL" clId="{C9DE8794-599A-48A2-8DAC-3CEC81A1BCD4}" dt="2025-01-30T12:47:41.245" v="3225" actId="478"/>
-          <ac:spMkLst>
-            <pc:docMk/>
-            <pc:sldMk cId="2232820269" sldId="257"/>
-            <ac:spMk id="27" creationId="{2F2C8325-ECB2-0C83-1DC0-ACC0C5FCC5AF}"/>
-          </ac:spMkLst>
-        </pc:spChg>
         <pc:spChg chg="mod">
           <ac:chgData name="Li, Hanchen F" userId="3aee791e-6a2d-4da7-a77b-fbdf7bf15886" providerId="ADAL" clId="{C9DE8794-599A-48A2-8DAC-3CEC81A1BCD4}" dt="2025-01-31T22:16:09.334" v="3427" actId="1076"/>
           <ac:spMkLst>
             <pc:docMk/>
             <pc:sldMk cId="2232820269" sldId="257"/>
             <ac:spMk id="28" creationId="{F849A053-3119-E2A5-FE8B-FDB53DED2C78}"/>
-          </ac:spMkLst>
-        </pc:spChg>
-        <pc:spChg chg="del">
-          <ac:chgData name="Li, Hanchen F" userId="3aee791e-6a2d-4da7-a77b-fbdf7bf15886" providerId="ADAL" clId="{C9DE8794-599A-48A2-8DAC-3CEC81A1BCD4}" dt="2025-01-30T12:47:39.077" v="3223" actId="478"/>
-          <ac:spMkLst>
-            <pc:docMk/>
-            <pc:sldMk cId="2232820269" sldId="257"/>
-            <ac:spMk id="29" creationId="{14B1C690-440D-A83D-5083-5B5A5363659D}"/>
-          </ac:spMkLst>
-        </pc:spChg>
-        <pc:spChg chg="del">
-          <ac:chgData name="Li, Hanchen F" userId="3aee791e-6a2d-4da7-a77b-fbdf7bf15886" providerId="ADAL" clId="{C9DE8794-599A-48A2-8DAC-3CEC81A1BCD4}" dt="2025-01-30T12:47:39.077" v="3223" actId="478"/>
-          <ac:spMkLst>
-            <pc:docMk/>
-            <pc:sldMk cId="2232820269" sldId="257"/>
-            <ac:spMk id="35" creationId="{5192D640-A566-1091-9375-C76AA88C1EEB}"/>
-          </ac:spMkLst>
-        </pc:spChg>
-        <pc:spChg chg="del">
-          <ac:chgData name="Li, Hanchen F" userId="3aee791e-6a2d-4da7-a77b-fbdf7bf15886" providerId="ADAL" clId="{C9DE8794-599A-48A2-8DAC-3CEC81A1BCD4}" dt="2025-01-30T12:47:39.077" v="3223" actId="478"/>
-          <ac:spMkLst>
-            <pc:docMk/>
-            <pc:sldMk cId="2232820269" sldId="257"/>
-            <ac:spMk id="39" creationId="{A85AC830-5637-7A29-A55C-24ED75AAB1D5}"/>
-          </ac:spMkLst>
-        </pc:spChg>
-        <pc:spChg chg="del">
-          <ac:chgData name="Li, Hanchen F" userId="3aee791e-6a2d-4da7-a77b-fbdf7bf15886" providerId="ADAL" clId="{C9DE8794-599A-48A2-8DAC-3CEC81A1BCD4}" dt="2025-01-30T12:47:39.077" v="3223" actId="478"/>
-          <ac:spMkLst>
-            <pc:docMk/>
-            <pc:sldMk cId="2232820269" sldId="257"/>
-            <ac:spMk id="51" creationId="{CBB945EB-5725-9A31-C10F-E91AF1649FCC}"/>
-          </ac:spMkLst>
-        </pc:spChg>
-        <pc:spChg chg="del">
-          <ac:chgData name="Li, Hanchen F" userId="3aee791e-6a2d-4da7-a77b-fbdf7bf15886" providerId="ADAL" clId="{C9DE8794-599A-48A2-8DAC-3CEC81A1BCD4}" dt="2025-01-30T12:47:35.974" v="3221" actId="478"/>
-          <ac:spMkLst>
-            <pc:docMk/>
-            <pc:sldMk cId="2232820269" sldId="257"/>
-            <ac:spMk id="58" creationId="{87F3B6A5-CD0A-5C7E-2888-DBC6F3ED3E36}"/>
           </ac:spMkLst>
         </pc:spChg>
         <pc:spChg chg="mod">
@@ -626,46 +458,6 @@
             <ac:picMk id="5" creationId="{055E21E2-F582-4E47-0F14-338D922C960F}"/>
           </ac:picMkLst>
         </pc:picChg>
-        <pc:picChg chg="add del mod ord">
-          <ac:chgData name="Li, Hanchen F" userId="3aee791e-6a2d-4da7-a77b-fbdf7bf15886" providerId="ADAL" clId="{C9DE8794-599A-48A2-8DAC-3CEC81A1BCD4}" dt="2025-01-31T22:13:53.337" v="3358" actId="478"/>
-          <ac:picMkLst>
-            <pc:docMk/>
-            <pc:sldMk cId="2232820269" sldId="257"/>
-            <ac:picMk id="22" creationId="{E98E146D-AB55-CA7B-8B9A-87D89AA97605}"/>
-          </ac:picMkLst>
-        </pc:picChg>
-        <pc:picChg chg="del">
-          <ac:chgData name="Li, Hanchen F" userId="3aee791e-6a2d-4da7-a77b-fbdf7bf15886" providerId="ADAL" clId="{C9DE8794-599A-48A2-8DAC-3CEC81A1BCD4}" dt="2025-01-30T12:47:32.340" v="3220" actId="478"/>
-          <ac:picMkLst>
-            <pc:docMk/>
-            <pc:sldMk cId="2232820269" sldId="257"/>
-            <ac:picMk id="24" creationId="{5BEE75B7-FF42-C2E6-F43A-C4A9530845A1}"/>
-          </ac:picMkLst>
-        </pc:picChg>
-        <pc:picChg chg="add del mod ord">
-          <ac:chgData name="Li, Hanchen F" userId="3aee791e-6a2d-4da7-a77b-fbdf7bf15886" providerId="ADAL" clId="{C9DE8794-599A-48A2-8DAC-3CEC81A1BCD4}" dt="2025-01-31T22:13:54.249" v="3359" actId="478"/>
-          <ac:picMkLst>
-            <pc:docMk/>
-            <pc:sldMk cId="2232820269" sldId="257"/>
-            <ac:picMk id="25" creationId="{7F8D9B93-22C9-97BD-F42C-123735687F1D}"/>
-          </ac:picMkLst>
-        </pc:picChg>
-        <pc:cxnChg chg="del">
-          <ac:chgData name="Li, Hanchen F" userId="3aee791e-6a2d-4da7-a77b-fbdf7bf15886" providerId="ADAL" clId="{C9DE8794-599A-48A2-8DAC-3CEC81A1BCD4}" dt="2025-01-30T12:47:40.143" v="3224" actId="478"/>
-          <ac:cxnSpMkLst>
-            <pc:docMk/>
-            <pc:sldMk cId="2232820269" sldId="257"/>
-            <ac:cxnSpMk id="30" creationId="{1D435A86-7D0D-F8BA-65D6-9B0ACD73B429}"/>
-          </ac:cxnSpMkLst>
-        </pc:cxnChg>
-        <pc:cxnChg chg="del">
-          <ac:chgData name="Li, Hanchen F" userId="3aee791e-6a2d-4da7-a77b-fbdf7bf15886" providerId="ADAL" clId="{C9DE8794-599A-48A2-8DAC-3CEC81A1BCD4}" dt="2025-01-30T12:47:40.143" v="3224" actId="478"/>
-          <ac:cxnSpMkLst>
-            <pc:docMk/>
-            <pc:sldMk cId="2232820269" sldId="257"/>
-            <ac:cxnSpMk id="31" creationId="{E2867D9D-1EAE-0411-6670-9424D1F50F3A}"/>
-          </ac:cxnSpMkLst>
-        </pc:cxnChg>
       </pc:sldChg>
     </pc:docChg>
   </pc:docChgLst>
@@ -754,7 +546,7 @@
           <a:p>
             <a:fld id="{8FB9B03E-5389-4B9C-999D-D8E7B42DF894}" type="datetimeFigureOut">
               <a:rPr lang="zh-CN" altLang="en-US" smtClean="0"/>
-              <a:t>2025/1/31</a:t>
+              <a:t>2025/2/13</a:t>
             </a:fld>
             <a:endParaRPr lang="zh-CN" altLang="en-US"/>
           </a:p>
@@ -1360,7 +1152,7 @@
           <a:p>
             <a:fld id="{F4112B75-22D4-4FE2-8E25-D0C9CB4A8A6E}" type="datetimeFigureOut">
               <a:rPr lang="zh-CN" altLang="en-US" smtClean="0"/>
-              <a:t>2025/1/31</a:t>
+              <a:t>2025/2/13</a:t>
             </a:fld>
             <a:endParaRPr lang="zh-CN" altLang="en-US"/>
           </a:p>
@@ -1558,7 +1350,7 @@
           <a:p>
             <a:fld id="{F4112B75-22D4-4FE2-8E25-D0C9CB4A8A6E}" type="datetimeFigureOut">
               <a:rPr lang="zh-CN" altLang="en-US" smtClean="0"/>
-              <a:t>2025/1/31</a:t>
+              <a:t>2025/2/13</a:t>
             </a:fld>
             <a:endParaRPr lang="zh-CN" altLang="en-US"/>
           </a:p>
@@ -1766,7 +1558,7 @@
           <a:p>
             <a:fld id="{F4112B75-22D4-4FE2-8E25-D0C9CB4A8A6E}" type="datetimeFigureOut">
               <a:rPr lang="zh-CN" altLang="en-US" smtClean="0"/>
-              <a:t>2025/1/31</a:t>
+              <a:t>2025/2/13</a:t>
             </a:fld>
             <a:endParaRPr lang="zh-CN" altLang="en-US"/>
           </a:p>
@@ -1964,7 +1756,7 @@
           <a:p>
             <a:fld id="{F4112B75-22D4-4FE2-8E25-D0C9CB4A8A6E}" type="datetimeFigureOut">
               <a:rPr lang="zh-CN" altLang="en-US" smtClean="0"/>
-              <a:t>2025/1/31</a:t>
+              <a:t>2025/2/13</a:t>
             </a:fld>
             <a:endParaRPr lang="zh-CN" altLang="en-US"/>
           </a:p>
@@ -2239,7 +2031,7 @@
           <a:p>
             <a:fld id="{F4112B75-22D4-4FE2-8E25-D0C9CB4A8A6E}" type="datetimeFigureOut">
               <a:rPr lang="zh-CN" altLang="en-US" smtClean="0"/>
-              <a:t>2025/1/31</a:t>
+              <a:t>2025/2/13</a:t>
             </a:fld>
             <a:endParaRPr lang="zh-CN" altLang="en-US"/>
           </a:p>
@@ -2504,7 +2296,7 @@
           <a:p>
             <a:fld id="{F4112B75-22D4-4FE2-8E25-D0C9CB4A8A6E}" type="datetimeFigureOut">
               <a:rPr lang="zh-CN" altLang="en-US" smtClean="0"/>
-              <a:t>2025/1/31</a:t>
+              <a:t>2025/2/13</a:t>
             </a:fld>
             <a:endParaRPr lang="zh-CN" altLang="en-US"/>
           </a:p>
@@ -2916,7 +2708,7 @@
           <a:p>
             <a:fld id="{F4112B75-22D4-4FE2-8E25-D0C9CB4A8A6E}" type="datetimeFigureOut">
               <a:rPr lang="zh-CN" altLang="en-US" smtClean="0"/>
-              <a:t>2025/1/31</a:t>
+              <a:t>2025/2/13</a:t>
             </a:fld>
             <a:endParaRPr lang="zh-CN" altLang="en-US"/>
           </a:p>
@@ -3057,7 +2849,7 @@
           <a:p>
             <a:fld id="{F4112B75-22D4-4FE2-8E25-D0C9CB4A8A6E}" type="datetimeFigureOut">
               <a:rPr lang="zh-CN" altLang="en-US" smtClean="0"/>
-              <a:t>2025/1/31</a:t>
+              <a:t>2025/2/13</a:t>
             </a:fld>
             <a:endParaRPr lang="zh-CN" altLang="en-US"/>
           </a:p>
@@ -3170,7 +2962,7 @@
           <a:p>
             <a:fld id="{F4112B75-22D4-4FE2-8E25-D0C9CB4A8A6E}" type="datetimeFigureOut">
               <a:rPr lang="zh-CN" altLang="en-US" smtClean="0"/>
-              <a:t>2025/1/31</a:t>
+              <a:t>2025/2/13</a:t>
             </a:fld>
             <a:endParaRPr lang="zh-CN" altLang="en-US"/>
           </a:p>
@@ -3481,7 +3273,7 @@
           <a:p>
             <a:fld id="{F4112B75-22D4-4FE2-8E25-D0C9CB4A8A6E}" type="datetimeFigureOut">
               <a:rPr lang="zh-CN" altLang="en-US" smtClean="0"/>
-              <a:t>2025/1/31</a:t>
+              <a:t>2025/2/13</a:t>
             </a:fld>
             <a:endParaRPr lang="zh-CN" altLang="en-US"/>
           </a:p>
@@ -3769,7 +3561,7 @@
           <a:p>
             <a:fld id="{F4112B75-22D4-4FE2-8E25-D0C9CB4A8A6E}" type="datetimeFigureOut">
               <a:rPr lang="zh-CN" altLang="en-US" smtClean="0"/>
-              <a:t>2025/1/31</a:t>
+              <a:t>2025/2/13</a:t>
             </a:fld>
             <a:endParaRPr lang="zh-CN" altLang="en-US"/>
           </a:p>
@@ -4010,7 +3802,7 @@
           <a:p>
             <a:fld id="{F4112B75-22D4-4FE2-8E25-D0C9CB4A8A6E}" type="datetimeFigureOut">
               <a:rPr lang="zh-CN" altLang="en-US" smtClean="0"/>
-              <a:t>2025/1/31</a:t>
+              <a:t>2025/2/13</a:t>
             </a:fld>
             <a:endParaRPr lang="zh-CN" altLang="en-US"/>
           </a:p>
@@ -4454,8 +4246,8 @@
         </p:blipFill>
         <p:spPr>
           <a:xfrm>
-            <a:off x="0" y="626790"/>
-            <a:ext cx="12192000" cy="5604418"/>
+            <a:off x="1" y="626790"/>
+            <a:ext cx="12191998" cy="5604418"/>
           </a:xfrm>
           <a:prstGeom prst="rect">
             <a:avLst/>
@@ -4922,8 +4714,8 @@
           </p:sp>
         </mc:Fallback>
       </mc:AlternateContent>
-      <mc:AlternateContent xmlns:mc="http://schemas.openxmlformats.org/markup-compatibility/2006" xmlns:a14="http://schemas.microsoft.com/office/drawing/2010/main">
-        <mc:Choice Requires="a14">
+      <mc:AlternateContent xmlns:mc="http://schemas.openxmlformats.org/markup-compatibility/2006">
+        <mc:Choice xmlns:a14="http://schemas.microsoft.com/office/drawing/2010/main" Requires="a14">
           <p:sp>
             <p:nvSpPr>
               <p:cNvPr id="16" name="文本框 15">
@@ -4938,7 +4730,7 @@
             </p:nvSpPr>
             <p:spPr>
               <a:xfrm>
-                <a:off x="7008154" y="2760309"/>
+                <a:off x="7121819" y="2646631"/>
                 <a:ext cx="488659" cy="369332"/>
               </a:xfrm>
               <a:prstGeom prst="rect">
@@ -5033,7 +4825,7 @@
             </p:txBody>
           </p:sp>
         </mc:Choice>
-        <mc:Fallback xmlns="">
+        <mc:Fallback>
           <p:sp>
             <p:nvSpPr>
               <p:cNvPr id="16" name="文本框 15">
@@ -5050,7 +4842,7 @@
             </p:nvSpPr>
             <p:spPr>
               <a:xfrm>
-                <a:off x="7008154" y="2760309"/>
+                <a:off x="7121819" y="2646631"/>
                 <a:ext cx="488659" cy="369332"/>
               </a:xfrm>
               <a:prstGeom prst="rect">
@@ -5059,7 +4851,7 @@
               <a:blipFill>
                 <a:blip r:embed="rId7"/>
                 <a:stretch>
-                  <a:fillRect l="-5000" b="-16667"/>
+                  <a:fillRect l="-5000" b="-14754"/>
                 </a:stretch>
               </a:blipFill>
               <a:ln>
@@ -5084,8 +4876,8 @@
           </p:sp>
         </mc:Fallback>
       </mc:AlternateContent>
-      <mc:AlternateContent xmlns:mc="http://schemas.openxmlformats.org/markup-compatibility/2006" xmlns:a14="http://schemas.microsoft.com/office/drawing/2010/main">
-        <mc:Choice Requires="a14">
+      <mc:AlternateContent xmlns:mc="http://schemas.openxmlformats.org/markup-compatibility/2006">
+        <mc:Choice xmlns:a14="http://schemas.microsoft.com/office/drawing/2010/main" Requires="a14">
           <p:sp>
             <p:nvSpPr>
               <p:cNvPr id="17" name="文本框 16">
@@ -5099,8 +4891,8 @@
               <p:nvPr/>
             </p:nvSpPr>
             <p:spPr>
-              <a:xfrm rot="21295459">
-                <a:off x="5858782" y="2956559"/>
+              <a:xfrm rot="21238881">
+                <a:off x="5934300" y="3103055"/>
                 <a:ext cx="1211998" cy="261610"/>
               </a:xfrm>
               <a:prstGeom prst="rect">
@@ -5262,7 +5054,7 @@
             </p:txBody>
           </p:sp>
         </mc:Choice>
-        <mc:Fallback xmlns="">
+        <mc:Fallback>
           <p:sp>
             <p:nvSpPr>
               <p:cNvPr id="17" name="文本框 16">
@@ -5278,8 +5070,8 @@
               <p:nvPr/>
             </p:nvSpPr>
             <p:spPr>
-              <a:xfrm rot="21295459">
-                <a:off x="5858782" y="2956559"/>
+              <a:xfrm rot="21238881">
+                <a:off x="5934300" y="3103055"/>
                 <a:ext cx="1211998" cy="261610"/>
               </a:xfrm>
               <a:prstGeom prst="rect">
@@ -5288,7 +5080,7 @@
               <a:blipFill>
                 <a:blip r:embed="rId8"/>
                 <a:stretch>
-                  <a:fillRect b="-4918"/>
+                  <a:fillRect b="-3077"/>
                 </a:stretch>
               </a:blipFill>
               <a:effectLst>
@@ -5707,7 +5499,7 @@
         <p:spPr>
           <a:xfrm>
             <a:off x="4156103" y="2137209"/>
-            <a:ext cx="1138739" cy="1349956"/>
+            <a:ext cx="1197166" cy="1372021"/>
           </a:xfrm>
           <a:prstGeom prst="straightConnector1">
             <a:avLst/>
@@ -7101,7 +6893,7 @@
         <p:spPr>
           <a:xfrm>
             <a:off x="6469920" y="1631537"/>
-            <a:ext cx="1142276" cy="1132713"/>
+            <a:ext cx="1139662" cy="1087377"/>
           </a:xfrm>
           <a:prstGeom prst="straightConnector1">
             <a:avLst/>
@@ -7529,237 +7321,8 @@
           </p:sp>
         </mc:Fallback>
       </mc:AlternateContent>
-      <mc:AlternateContent xmlns:mc="http://schemas.openxmlformats.org/markup-compatibility/2006" xmlns:a14="http://schemas.microsoft.com/office/drawing/2010/main">
-        <mc:Choice Requires="a14">
-          <p:sp>
-            <p:nvSpPr>
-              <p:cNvPr id="3" name="文本框 2">
-                <a:extLst>
-                  <a:ext uri="{FF2B5EF4-FFF2-40B4-BE49-F238E27FC236}">
-                    <a16:creationId xmlns:a16="http://schemas.microsoft.com/office/drawing/2014/main" id="{40E66E2B-A159-8FCA-CFE2-F7003F93E399}"/>
-                  </a:ext>
-                </a:extLst>
-              </p:cNvPr>
-              <p:cNvSpPr txBox="1"/>
-              <p:nvPr/>
-            </p:nvSpPr>
-            <p:spPr>
-              <a:xfrm rot="21291466">
-                <a:off x="7234229" y="3137509"/>
-                <a:ext cx="1202830" cy="261610"/>
-              </a:xfrm>
-              <a:prstGeom prst="rect">
-                <a:avLst/>
-              </a:prstGeom>
-              <a:solidFill>
-                <a:schemeClr val="bg1"/>
-              </a:solidFill>
-              <a:effectLst>
-                <a:softEdge rad="88900"/>
-              </a:effectLst>
-            </p:spPr>
-            <p:txBody>
-              <a:bodyPr wrap="none" rtlCol="0">
-                <a:spAutoFit/>
-              </a:bodyPr>
-              <a:lstStyle/>
-              <a:p>
-                <a:pPr/>
-                <a14:m>
-                  <m:oMathPara xmlns:m="http://schemas.openxmlformats.org/officeDocument/2006/math">
-                    <m:oMathParaPr>
-                      <m:jc m:val="centerGroup"/>
-                    </m:oMathParaPr>
-                    <m:oMath xmlns:m="http://schemas.openxmlformats.org/officeDocument/2006/math">
-                      <m:r>
-                        <a:rPr lang="en-US" altLang="zh-CN" sz="1100" i="1" smtClean="0">
-                          <a:solidFill>
-                            <a:srgbClr val="EC6133"/>
-                          </a:solidFill>
-                          <a:effectLst>
-                            <a:outerShdw blurRad="127000" sx="107000" sy="107000" algn="ctr" rotWithShape="0">
-                              <a:schemeClr val="bg1"/>
-                            </a:outerShdw>
-                          </a:effectLst>
-                          <a:latin typeface="Cambria Math" panose="02040503050406030204" pitchFamily="18" charset="0"/>
-                        </a:rPr>
-                        <m:t>+</m:t>
-                      </m:r>
-                      <m:sSub>
-                        <m:sSubPr>
-                          <m:ctrlPr>
-                            <a:rPr lang="en-US" altLang="zh-CN" sz="1100" i="1" smtClean="0">
-                              <a:solidFill>
-                                <a:srgbClr val="EC6133"/>
-                              </a:solidFill>
-                              <a:effectLst>
-                                <a:outerShdw blurRad="127000" sx="107000" sy="107000" algn="ctr" rotWithShape="0">
-                                  <a:schemeClr val="bg1"/>
-                                </a:outerShdw>
-                              </a:effectLst>
-                              <a:latin typeface="Cambria Math" panose="02040503050406030204" pitchFamily="18" charset="0"/>
-                            </a:rPr>
-                          </m:ctrlPr>
-                        </m:sSubPr>
-                        <m:e>
-                          <m:r>
-                            <a:rPr lang="en-US" altLang="zh-CN" sz="1100" b="0" i="1" smtClean="0">
-                              <a:solidFill>
-                                <a:srgbClr val="EC6133"/>
-                              </a:solidFill>
-                              <a:effectLst>
-                                <a:outerShdw blurRad="127000" sx="107000" sy="107000" algn="ctr" rotWithShape="0">
-                                  <a:schemeClr val="bg1"/>
-                                </a:outerShdw>
-                              </a:effectLst>
-                              <a:latin typeface="Cambria Math" panose="02040503050406030204" pitchFamily="18" charset="0"/>
-                            </a:rPr>
-                            <m:t>𝑉</m:t>
-                          </m:r>
-                        </m:e>
-                        <m:sub>
-                          <m:r>
-                            <m:rPr>
-                              <m:sty m:val="p"/>
-                            </m:rPr>
-                            <a:rPr lang="en-US" altLang="zh-CN" sz="1100" i="1">
-                              <a:solidFill>
-                                <a:srgbClr val="EC6133"/>
-                              </a:solidFill>
-                              <a:effectLst>
-                                <a:outerShdw blurRad="127000" sx="107000" sy="107000" algn="ctr" rotWithShape="0">
-                                  <a:schemeClr val="bg1"/>
-                                </a:outerShdw>
-                              </a:effectLst>
-                              <a:latin typeface="Cambria Math" panose="02040503050406030204" pitchFamily="18" charset="0"/>
-                            </a:rPr>
-                            <m:t>C</m:t>
-                          </m:r>
-                        </m:sub>
-                      </m:sSub>
-                      <m:r>
-                        <a:rPr lang="en-US" altLang="zh-CN" sz="1100" b="0" i="1" smtClean="0">
-                          <a:solidFill>
-                            <a:srgbClr val="EC6133"/>
-                          </a:solidFill>
-                          <a:effectLst>
-                            <a:outerShdw blurRad="127000" sx="107000" sy="107000" algn="ctr" rotWithShape="0">
-                              <a:schemeClr val="bg1"/>
-                            </a:outerShdw>
-                          </a:effectLst>
-                          <a:latin typeface="Cambria Math" panose="02040503050406030204" pitchFamily="18" charset="0"/>
-                        </a:rPr>
-                        <m:t> </m:t>
-                      </m:r>
-                      <m:r>
-                        <a:rPr lang="en-US" altLang="zh-CN" sz="1100" b="0" i="1" smtClean="0">
-                          <a:solidFill>
-                            <a:srgbClr val="EC6133"/>
-                          </a:solidFill>
-                          <a:effectLst>
-                            <a:outerShdw blurRad="127000" sx="107000" sy="107000" algn="ctr" rotWithShape="0">
-                              <a:schemeClr val="bg1"/>
-                            </a:outerShdw>
-                          </a:effectLst>
-                          <a:latin typeface="Cambria Math" panose="02040503050406030204" pitchFamily="18" charset="0"/>
-                        </a:rPr>
-                        <m:t>𝑔𝑢𝑠𝑡</m:t>
-                      </m:r>
-                      <m:r>
-                        <a:rPr lang="en-US" altLang="zh-CN" sz="1100" b="0" i="1" smtClean="0">
-                          <a:solidFill>
-                            <a:srgbClr val="EC6133"/>
-                          </a:solidFill>
-                          <a:effectLst>
-                            <a:outerShdw blurRad="127000" sx="107000" sy="107000" algn="ctr" rotWithShape="0">
-                              <a:schemeClr val="bg1"/>
-                            </a:outerShdw>
-                          </a:effectLst>
-                          <a:latin typeface="Cambria Math" panose="02040503050406030204" pitchFamily="18" charset="0"/>
-                        </a:rPr>
-                        <m:t>−</m:t>
-                      </m:r>
-                      <m:r>
-                        <a:rPr lang="en-US" altLang="zh-CN" sz="1100" b="0" i="1" smtClean="0">
-                          <a:solidFill>
-                            <a:srgbClr val="EC6133"/>
-                          </a:solidFill>
-                          <a:effectLst>
-                            <a:outerShdw blurRad="127000" sx="107000" sy="107000" algn="ctr" rotWithShape="0">
-                              <a:schemeClr val="bg1"/>
-                            </a:outerShdw>
-                          </a:effectLst>
-                          <a:latin typeface="Cambria Math" panose="02040503050406030204" pitchFamily="18" charset="0"/>
-                        </a:rPr>
-                        <m:t>𝑙𝑖𝑛𝑒</m:t>
-                      </m:r>
-                    </m:oMath>
-                  </m:oMathPara>
-                </a14:m>
-                <a:endParaRPr lang="zh-CN" altLang="en-US" sz="1100" dirty="0">
-                  <a:solidFill>
-                    <a:srgbClr val="EC6133"/>
-                  </a:solidFill>
-                  <a:effectLst>
-                    <a:outerShdw blurRad="127000" sx="107000" sy="107000" algn="ctr" rotWithShape="0">
-                      <a:schemeClr val="bg1"/>
-                    </a:outerShdw>
-                  </a:effectLst>
-                </a:endParaRPr>
-              </a:p>
-            </p:txBody>
-          </p:sp>
-        </mc:Choice>
-        <mc:Fallback xmlns="">
-          <p:sp>
-            <p:nvSpPr>
-              <p:cNvPr id="3" name="文本框 2">
-                <a:extLst>
-                  <a:ext uri="{FF2B5EF4-FFF2-40B4-BE49-F238E27FC236}">
-                    <a16:creationId xmlns:a16="http://schemas.microsoft.com/office/drawing/2014/main" id="{40E66E2B-A159-8FCA-CFE2-F7003F93E399}"/>
-                  </a:ext>
-                </a:extLst>
-              </p:cNvPr>
-              <p:cNvSpPr txBox="1">
-                <a:spLocks noRot="1" noChangeAspect="1" noMove="1" noResize="1" noEditPoints="1" noAdjustHandles="1" noChangeArrowheads="1" noChangeShapeType="1" noTextEdit="1"/>
-              </p:cNvSpPr>
-              <p:nvPr/>
-            </p:nvSpPr>
-            <p:spPr>
-              <a:xfrm rot="21291466">
-                <a:off x="7234229" y="3137509"/>
-                <a:ext cx="1202830" cy="261610"/>
-              </a:xfrm>
-              <a:prstGeom prst="rect">
-                <a:avLst/>
-              </a:prstGeom>
-              <a:blipFill>
-                <a:blip r:embed="rId20"/>
-                <a:stretch>
-                  <a:fillRect b="-4839"/>
-                </a:stretch>
-              </a:blipFill>
-              <a:effectLst>
-                <a:softEdge rad="88900"/>
-              </a:effectLst>
-            </p:spPr>
-            <p:txBody>
-              <a:bodyPr/>
-              <a:lstStyle/>
-              <a:p>
-                <a:r>
-                  <a:rPr lang="zh-CN" altLang="en-US">
-                    <a:noFill/>
-                  </a:rPr>
-                  <a:t> </a:t>
-                </a:r>
-              </a:p>
-            </p:txBody>
-          </p:sp>
-        </mc:Fallback>
-      </mc:AlternateContent>
-      <mc:AlternateContent xmlns:mc="http://schemas.openxmlformats.org/markup-compatibility/2006" xmlns:a14="http://schemas.microsoft.com/office/drawing/2010/main">
-        <mc:Choice Requires="a14">
+      <mc:AlternateContent xmlns:mc="http://schemas.openxmlformats.org/markup-compatibility/2006">
+        <mc:Choice xmlns:a14="http://schemas.microsoft.com/office/drawing/2010/main" Requires="a14">
           <p:sp>
             <p:nvSpPr>
               <p:cNvPr id="7" name="文本框 6">
@@ -7774,7 +7337,7 @@
             </p:nvSpPr>
             <p:spPr>
               <a:xfrm rot="21422593">
-                <a:off x="8502096" y="3292230"/>
+                <a:off x="8471927" y="3146582"/>
                 <a:ext cx="1214948" cy="261610"/>
               </a:xfrm>
               <a:prstGeom prst="rect">
@@ -7936,7 +7499,7 @@
             </p:txBody>
           </p:sp>
         </mc:Choice>
-        <mc:Fallback xmlns="">
+        <mc:Fallback>
           <p:sp>
             <p:nvSpPr>
               <p:cNvPr id="7" name="文本框 6">
@@ -7953,16 +7516,16 @@
             </p:nvSpPr>
             <p:spPr>
               <a:xfrm rot="21422593">
-                <a:off x="8502096" y="3292230"/>
+                <a:off x="8471927" y="3146582"/>
                 <a:ext cx="1214948" cy="261610"/>
               </a:xfrm>
               <a:prstGeom prst="rect">
                 <a:avLst/>
               </a:prstGeom>
               <a:blipFill>
-                <a:blip r:embed="rId21"/>
+                <a:blip r:embed="rId20"/>
                 <a:stretch>
-                  <a:fillRect b="-7273"/>
+                  <a:fillRect b="-7407"/>
                 </a:stretch>
               </a:blipFill>
               <a:effectLst>
@@ -7984,8 +7547,8 @@
           </p:sp>
         </mc:Fallback>
       </mc:AlternateContent>
-      <mc:AlternateContent xmlns:mc="http://schemas.openxmlformats.org/markup-compatibility/2006" xmlns:a14="http://schemas.microsoft.com/office/drawing/2010/main">
-        <mc:Choice Requires="a14">
+      <mc:AlternateContent xmlns:mc="http://schemas.openxmlformats.org/markup-compatibility/2006">
+        <mc:Choice xmlns:a14="http://schemas.microsoft.com/office/drawing/2010/main" Requires="a14">
           <p:sp>
             <p:nvSpPr>
               <p:cNvPr id="8" name="文本框 7">
@@ -7999,8 +7562,8 @@
               <p:nvPr/>
             </p:nvSpPr>
             <p:spPr>
-              <a:xfrm rot="396168">
-                <a:off x="5851279" y="3941183"/>
+              <a:xfrm rot="489085">
+                <a:off x="5893721" y="3778723"/>
                 <a:ext cx="1211998" cy="261610"/>
               </a:xfrm>
               <a:prstGeom prst="rect">
@@ -8162,7 +7725,7 @@
             </p:txBody>
           </p:sp>
         </mc:Choice>
-        <mc:Fallback xmlns="">
+        <mc:Fallback>
           <p:sp>
             <p:nvSpPr>
               <p:cNvPr id="8" name="文本框 7">
@@ -8178,15 +7741,15 @@
               <p:nvPr/>
             </p:nvSpPr>
             <p:spPr>
-              <a:xfrm rot="396168">
-                <a:off x="5851279" y="3941183"/>
+              <a:xfrm rot="489085">
+                <a:off x="5893721" y="3778723"/>
                 <a:ext cx="1211998" cy="261610"/>
               </a:xfrm>
               <a:prstGeom prst="rect">
                 <a:avLst/>
               </a:prstGeom>
               <a:blipFill>
-                <a:blip r:embed="rId22"/>
+                <a:blip r:embed="rId21"/>
                 <a:stretch>
                   <a:fillRect/>
                 </a:stretch>
@@ -8210,254 +7773,8 @@
           </p:sp>
         </mc:Fallback>
       </mc:AlternateContent>
-      <mc:AlternateContent xmlns:mc="http://schemas.openxmlformats.org/markup-compatibility/2006" xmlns:a14="http://schemas.microsoft.com/office/drawing/2010/main">
-        <mc:Choice Requires="a14">
-          <p:sp>
-            <p:nvSpPr>
-              <p:cNvPr id="10" name="文本框 9">
-                <a:extLst>
-                  <a:ext uri="{FF2B5EF4-FFF2-40B4-BE49-F238E27FC236}">
-                    <a16:creationId xmlns:a16="http://schemas.microsoft.com/office/drawing/2014/main" id="{A7567434-8974-4A44-C62D-1D5055923708}"/>
-                  </a:ext>
-                </a:extLst>
-              </p:cNvPr>
-              <p:cNvSpPr txBox="1"/>
-              <p:nvPr/>
-            </p:nvSpPr>
-            <p:spPr>
-              <a:xfrm rot="244308">
-                <a:off x="7232709" y="3745628"/>
-                <a:ext cx="1191352" cy="261610"/>
-              </a:xfrm>
-              <a:prstGeom prst="rect">
-                <a:avLst/>
-              </a:prstGeom>
-              <a:solidFill>
-                <a:schemeClr val="bg1"/>
-              </a:solidFill>
-              <a:effectLst>
-                <a:softEdge rad="88900"/>
-              </a:effectLst>
-            </p:spPr>
-            <p:txBody>
-              <a:bodyPr wrap="none" rtlCol="0">
-                <a:spAutoFit/>
-              </a:bodyPr>
-              <a:lstStyle/>
-              <a:p>
-                <a:pPr/>
-                <a14:m>
-                  <m:oMathPara xmlns:m="http://schemas.openxmlformats.org/officeDocument/2006/math">
-                    <m:oMathParaPr>
-                      <m:jc m:val="centerGroup"/>
-                    </m:oMathParaPr>
-                    <m:oMath xmlns:m="http://schemas.openxmlformats.org/officeDocument/2006/math">
-                      <m:r>
-                        <a:rPr lang="en-US" altLang="zh-CN" sz="1100" b="0" i="1" smtClean="0">
-                          <a:solidFill>
-                            <a:srgbClr val="EC6133"/>
-                          </a:solidFill>
-                          <a:effectLst>
-                            <a:outerShdw blurRad="127000" sx="107000" sy="107000" algn="ctr" rotWithShape="0">
-                              <a:schemeClr val="bg1"/>
-                            </a:outerShdw>
-                          </a:effectLst>
-                          <a:latin typeface="Cambria Math" panose="02040503050406030204" pitchFamily="18" charset="0"/>
-                        </a:rPr>
-                        <m:t>−</m:t>
-                      </m:r>
-                      <m:sSub>
-                        <m:sSubPr>
-                          <m:ctrlPr>
-                            <a:rPr lang="en-US" altLang="zh-CN" sz="1100" i="1" smtClean="0">
-                              <a:solidFill>
-                                <a:srgbClr val="EC6133"/>
-                              </a:solidFill>
-                              <a:effectLst>
-                                <a:outerShdw blurRad="127000" sx="107000" sy="107000" algn="ctr" rotWithShape="0">
-                                  <a:schemeClr val="bg1"/>
-                                </a:outerShdw>
-                              </a:effectLst>
-                              <a:latin typeface="Cambria Math" panose="02040503050406030204" pitchFamily="18" charset="0"/>
-                            </a:rPr>
-                          </m:ctrlPr>
-                        </m:sSubPr>
-                        <m:e>
-                          <m:r>
-                            <a:rPr lang="en-US" altLang="zh-CN" sz="1100" b="0" i="1" smtClean="0">
-                              <a:solidFill>
-                                <a:srgbClr val="EC6133"/>
-                              </a:solidFill>
-                              <a:effectLst>
-                                <a:outerShdw blurRad="127000" sx="107000" sy="107000" algn="ctr" rotWithShape="0">
-                                  <a:schemeClr val="bg1"/>
-                                </a:outerShdw>
-                              </a:effectLst>
-                              <a:latin typeface="Cambria Math" panose="02040503050406030204" pitchFamily="18" charset="0"/>
-                            </a:rPr>
-                            <m:t>𝑉</m:t>
-                          </m:r>
-                        </m:e>
-                        <m:sub>
-                          <m:r>
-                            <m:rPr>
-                              <m:sty m:val="p"/>
-                            </m:rPr>
-                            <a:rPr lang="en-US" altLang="zh-CN" sz="1100" i="1">
-                              <a:solidFill>
-                                <a:srgbClr val="EC6133"/>
-                              </a:solidFill>
-                              <a:effectLst>
-                                <a:outerShdw blurRad="127000" sx="107000" sy="107000" algn="ctr" rotWithShape="0">
-                                  <a:schemeClr val="bg1"/>
-                                </a:outerShdw>
-                              </a:effectLst>
-                              <a:latin typeface="Cambria Math" panose="02040503050406030204" pitchFamily="18" charset="0"/>
-                            </a:rPr>
-                            <m:t>C</m:t>
-                          </m:r>
-                        </m:sub>
-                      </m:sSub>
-                      <m:r>
-                        <a:rPr lang="en-US" altLang="zh-CN" sz="1100" b="0" i="1" smtClean="0">
-                          <a:solidFill>
-                            <a:srgbClr val="EC6133"/>
-                          </a:solidFill>
-                          <a:effectLst>
-                            <a:outerShdw blurRad="127000" sx="107000" sy="107000" algn="ctr" rotWithShape="0">
-                              <a:schemeClr val="bg1"/>
-                            </a:outerShdw>
-                          </a:effectLst>
-                          <a:latin typeface="Cambria Math" panose="02040503050406030204" pitchFamily="18" charset="0"/>
-                        </a:rPr>
-                        <m:t> </m:t>
-                      </m:r>
-                      <m:r>
-                        <a:rPr lang="en-US" altLang="zh-CN" sz="1100" b="0" i="1" smtClean="0">
-                          <a:solidFill>
-                            <a:srgbClr val="EC6133"/>
-                          </a:solidFill>
-                          <a:effectLst>
-                            <a:outerShdw blurRad="127000" sx="107000" sy="107000" algn="ctr" rotWithShape="0">
-                              <a:schemeClr val="bg1"/>
-                            </a:outerShdw>
-                          </a:effectLst>
-                          <a:latin typeface="Cambria Math" panose="02040503050406030204" pitchFamily="18" charset="0"/>
-                        </a:rPr>
-                        <m:t>𝑔𝑢𝑠</m:t>
-                      </m:r>
-                      <m:r>
-                        <m:rPr>
-                          <m:sty m:val="p"/>
-                        </m:rPr>
-                        <a:rPr lang="en-US" altLang="zh-CN" sz="1100" i="1">
-                          <a:solidFill>
-                            <a:srgbClr val="EC6133"/>
-                          </a:solidFill>
-                          <a:effectLst>
-                            <a:outerShdw blurRad="127000" sx="107000" sy="107000" algn="ctr" rotWithShape="0">
-                              <a:schemeClr val="bg1"/>
-                            </a:outerShdw>
-                          </a:effectLst>
-                          <a:latin typeface="Cambria Math" panose="02040503050406030204" pitchFamily="18" charset="0"/>
-                        </a:rPr>
-                        <m:t>t</m:t>
-                      </m:r>
-                      <m:r>
-                        <a:rPr lang="en-US" altLang="zh-CN" sz="1100" b="0" i="1" smtClean="0">
-                          <a:solidFill>
-                            <a:srgbClr val="EC6133"/>
-                          </a:solidFill>
-                          <a:effectLst>
-                            <a:outerShdw blurRad="127000" sx="107000" sy="107000" algn="ctr" rotWithShape="0">
-                              <a:schemeClr val="bg1"/>
-                            </a:outerShdw>
-                          </a:effectLst>
-                          <a:latin typeface="Cambria Math" panose="02040503050406030204" pitchFamily="18" charset="0"/>
-                        </a:rPr>
-                        <m:t>−</m:t>
-                      </m:r>
-                      <m:r>
-                        <a:rPr lang="en-US" altLang="zh-CN" sz="1100" b="0" i="1" smtClean="0">
-                          <a:solidFill>
-                            <a:srgbClr val="EC6133"/>
-                          </a:solidFill>
-                          <a:effectLst>
-                            <a:outerShdw blurRad="127000" sx="107000" sy="107000" algn="ctr" rotWithShape="0">
-                              <a:schemeClr val="bg1"/>
-                            </a:outerShdw>
-                          </a:effectLst>
-                          <a:latin typeface="Cambria Math" panose="02040503050406030204" pitchFamily="18" charset="0"/>
-                        </a:rPr>
-                        <m:t>𝑙𝑖𝑛𝑒</m:t>
-                      </m:r>
-                    </m:oMath>
-                  </m:oMathPara>
-                </a14:m>
-                <a:endParaRPr lang="zh-CN" altLang="en-US" sz="1100" dirty="0">
-                  <a:solidFill>
-                    <a:srgbClr val="EC6133"/>
-                  </a:solidFill>
-                  <a:effectLst>
-                    <a:outerShdw blurRad="127000" sx="107000" sy="107000" algn="ctr" rotWithShape="0">
-                      <a:schemeClr val="bg1"/>
-                    </a:outerShdw>
-                  </a:effectLst>
-                </a:endParaRPr>
-              </a:p>
-            </p:txBody>
-          </p:sp>
-        </mc:Choice>
-        <mc:Fallback xmlns="">
-          <p:sp>
-            <p:nvSpPr>
-              <p:cNvPr id="10" name="文本框 9">
-                <a:extLst>
-                  <a:ext uri="{FF2B5EF4-FFF2-40B4-BE49-F238E27FC236}">
-                    <a16:creationId xmlns:a16="http://schemas.microsoft.com/office/drawing/2014/main" id="{A7567434-8974-4A44-C62D-1D5055923708}"/>
-                  </a:ext>
-                </a:extLst>
-              </p:cNvPr>
-              <p:cNvSpPr txBox="1">
-                <a:spLocks noRot="1" noChangeAspect="1" noMove="1" noResize="1" noEditPoints="1" noAdjustHandles="1" noChangeArrowheads="1" noChangeShapeType="1" noTextEdit="1"/>
-              </p:cNvSpPr>
-              <p:nvPr/>
-            </p:nvSpPr>
-            <p:spPr>
-              <a:xfrm rot="244308">
-                <a:off x="7232709" y="3745628"/>
-                <a:ext cx="1191352" cy="261610"/>
-              </a:xfrm>
-              <a:prstGeom prst="rect">
-                <a:avLst/>
-              </a:prstGeom>
-              <a:blipFill>
-                <a:blip r:embed="rId23"/>
-                <a:stretch>
-                  <a:fillRect/>
-                </a:stretch>
-              </a:blipFill>
-              <a:effectLst>
-                <a:softEdge rad="88900"/>
-              </a:effectLst>
-            </p:spPr>
-            <p:txBody>
-              <a:bodyPr/>
-              <a:lstStyle/>
-              <a:p>
-                <a:r>
-                  <a:rPr lang="zh-CN" altLang="en-US">
-                    <a:noFill/>
-                  </a:rPr>
-                  <a:t> </a:t>
-                </a:r>
-              </a:p>
-            </p:txBody>
-          </p:sp>
-        </mc:Fallback>
-      </mc:AlternateContent>
-      <mc:AlternateContent xmlns:mc="http://schemas.openxmlformats.org/markup-compatibility/2006" xmlns:a14="http://schemas.microsoft.com/office/drawing/2010/main">
-        <mc:Choice Requires="a14">
+      <mc:AlternateContent xmlns:mc="http://schemas.openxmlformats.org/markup-compatibility/2006">
+        <mc:Choice xmlns:a14="http://schemas.microsoft.com/office/drawing/2010/main" Requires="a14">
           <p:sp>
             <p:nvSpPr>
               <p:cNvPr id="11" name="文本框 10">
@@ -8471,8 +7788,8 @@
               <p:nvPr/>
             </p:nvSpPr>
             <p:spPr>
-              <a:xfrm rot="163166">
-                <a:off x="8502096" y="3600381"/>
+              <a:xfrm rot="254359">
+                <a:off x="8471926" y="3773479"/>
                 <a:ext cx="1214948" cy="261610"/>
               </a:xfrm>
               <a:prstGeom prst="rect">
@@ -8634,7 +7951,7 @@
             </p:txBody>
           </p:sp>
         </mc:Choice>
-        <mc:Fallback xmlns="">
+        <mc:Fallback>
           <p:sp>
             <p:nvSpPr>
               <p:cNvPr id="11" name="文本框 10">
@@ -8650,17 +7967,17 @@
               <p:nvPr/>
             </p:nvSpPr>
             <p:spPr>
-              <a:xfrm rot="163166">
-                <a:off x="8502096" y="3600381"/>
+              <a:xfrm rot="254359">
+                <a:off x="8471926" y="3773479"/>
                 <a:ext cx="1214948" cy="261610"/>
               </a:xfrm>
               <a:prstGeom prst="rect">
                 <a:avLst/>
               </a:prstGeom>
               <a:blipFill>
-                <a:blip r:embed="rId24"/>
+                <a:blip r:embed="rId22"/>
                 <a:stretch>
-                  <a:fillRect b="-5556"/>
+                  <a:fillRect b="-1695"/>
                 </a:stretch>
               </a:blipFill>
               <a:effectLst>
@@ -9405,8 +8722,8 @@
           </p:sp>
         </mc:Fallback>
       </mc:AlternateContent>
-      <mc:AlternateContent xmlns:mc="http://schemas.openxmlformats.org/markup-compatibility/2006" xmlns:a14="http://schemas.microsoft.com/office/drawing/2010/main">
-        <mc:Choice Requires="a14">
+      <mc:AlternateContent xmlns:mc="http://schemas.openxmlformats.org/markup-compatibility/2006">
+        <mc:Choice xmlns:a14="http://schemas.microsoft.com/office/drawing/2010/main" Requires="a14">
           <p:sp>
             <p:nvSpPr>
               <p:cNvPr id="12" name="文本框 11">
@@ -9421,7 +8738,7 @@
             </p:nvSpPr>
             <p:spPr>
               <a:xfrm>
-                <a:off x="10013573" y="1456574"/>
+                <a:off x="10030483" y="1426648"/>
                 <a:ext cx="982961" cy="584775"/>
               </a:xfrm>
               <a:prstGeom prst="rect">
@@ -9521,7 +8838,7 @@
             </p:txBody>
           </p:sp>
         </mc:Choice>
-        <mc:Fallback xmlns="">
+        <mc:Fallback>
           <p:sp>
             <p:nvSpPr>
               <p:cNvPr id="12" name="文本框 11">
@@ -9538,7 +8855,7 @@
             </p:nvSpPr>
             <p:spPr>
               <a:xfrm>
-                <a:off x="10013573" y="1456574"/>
+                <a:off x="10030483" y="1426648"/>
                 <a:ext cx="982961" cy="584775"/>
               </a:xfrm>
               <a:prstGeom prst="rect">
@@ -9547,7 +8864,7 @@
               <a:blipFill>
                 <a:blip r:embed="rId29"/>
                 <a:stretch>
-                  <a:fillRect l="-8075" r="-13043" b="-14583"/>
+                  <a:fillRect l="-7407" r="-12963" b="-15625"/>
                 </a:stretch>
               </a:blipFill>
               <a:effectLst>
@@ -9586,7 +8903,7 @@
         </p:nvCxnSpPr>
         <p:spPr>
           <a:xfrm flipH="1">
-            <a:off x="9163630" y="1748962"/>
+            <a:off x="9180540" y="1719036"/>
             <a:ext cx="849943" cy="766827"/>
           </a:xfrm>
           <a:prstGeom prst="straightConnector1">
@@ -9614,8 +8931,8 @@
           </a:fontRef>
         </p:style>
       </p:cxnSp>
-      <mc:AlternateContent xmlns:mc="http://schemas.openxmlformats.org/markup-compatibility/2006" xmlns:a14="http://schemas.microsoft.com/office/drawing/2010/main">
-        <mc:Choice Requires="a14">
+      <mc:AlternateContent xmlns:mc="http://schemas.openxmlformats.org/markup-compatibility/2006">
+        <mc:Choice xmlns:a14="http://schemas.microsoft.com/office/drawing/2010/main" Requires="a14">
           <p:sp>
             <p:nvSpPr>
               <p:cNvPr id="29" name="文本框 28">
@@ -9630,7 +8947,7 @@
             </p:nvSpPr>
             <p:spPr>
               <a:xfrm>
-                <a:off x="9892478" y="2445229"/>
+                <a:off x="9969421" y="2296422"/>
                 <a:ext cx="982961" cy="338554"/>
               </a:xfrm>
               <a:prstGeom prst="rect">
@@ -9721,7 +9038,7 @@
             </p:txBody>
           </p:sp>
         </mc:Choice>
-        <mc:Fallback xmlns="">
+        <mc:Fallback>
           <p:sp>
             <p:nvSpPr>
               <p:cNvPr id="29" name="文本框 28">
@@ -9738,7 +9055,7 @@
             </p:nvSpPr>
             <p:spPr>
               <a:xfrm>
-                <a:off x="9892478" y="2445229"/>
+                <a:off x="9969421" y="2296422"/>
                 <a:ext cx="982961" cy="338554"/>
               </a:xfrm>
               <a:prstGeom prst="rect">
@@ -9747,7 +9064,7 @@
               <a:blipFill>
                 <a:blip r:embed="rId30"/>
                 <a:stretch>
-                  <a:fillRect r="-31034"/>
+                  <a:fillRect r="-30882"/>
                 </a:stretch>
               </a:blipFill>
               <a:effectLst>
@@ -9788,7 +9105,7 @@
         </p:nvCxnSpPr>
         <p:spPr>
           <a:xfrm flipH="1">
-            <a:off x="9122967" y="2614506"/>
+            <a:off x="9199910" y="2465699"/>
             <a:ext cx="769511" cy="605714"/>
           </a:xfrm>
           <a:prstGeom prst="straightConnector1">
